--- a/session-four/session-four-presentation.pptx
+++ b/session-four/session-four-presentation.pptx
@@ -251,7 +251,7 @@
             <a:fld id="{3BBED7E8-0829-F34C-B479-A757805E6C1B}" type="datetimeFigureOut">
               <a:rPr lang="en-US" smtClean="0"/>
               <a:pPr/>
-              <a:t>9/23/2021</a:t>
+              <a:t>10/26/2022</a:t>
             </a:fld>
             <a:endParaRPr lang="en-US"/>
           </a:p>
@@ -419,7 +419,7 @@
             <a:fld id="{6C7E4F11-7667-5045-A00B-01970EA44BB5}" type="datetimeFigureOut">
               <a:rPr lang="en-US" smtClean="0"/>
               <a:pPr/>
-              <a:t>9/23/2021</a:t>
+              <a:t>10/26/2022</a:t>
             </a:fld>
             <a:endParaRPr lang="en-US"/>
           </a:p>
@@ -27175,98 +27175,21 @@
                 <a:latin typeface="Arial"/>
                 <a:cs typeface="Arial"/>
               </a:rPr>
-              <a:t>COALESCE() </a:t>
-            </a:r>
-            <a:r>
-              <a:rPr lang="pl-PL" sz="2000" dirty="0" err="1">
+              <a:t>COALESCE() will substitute the value with the fir</a:t>
+            </a:r>
+            <a:r>
+              <a:rPr lang="en-SG" sz="2000" dirty="0">
                 <a:latin typeface="Arial"/>
                 <a:cs typeface="Arial"/>
               </a:rPr>
-              <a:t>will</a:t>
+              <a:t>s</a:t>
             </a:r>
             <a:r>
               <a:rPr lang="pl-PL" sz="2000" dirty="0">
                 <a:latin typeface="Arial"/>
                 <a:cs typeface="Arial"/>
               </a:rPr>
-              <a:t> </a:t>
-            </a:r>
-            <a:r>
-              <a:rPr lang="pl-PL" sz="2000" dirty="0" err="1">
-                <a:latin typeface="Arial"/>
-                <a:cs typeface="Arial"/>
-              </a:rPr>
-              <a:t>substitute</a:t>
-            </a:r>
-            <a:r>
-              <a:rPr lang="pl-PL" sz="2000" dirty="0">
-                <a:latin typeface="Arial"/>
-                <a:cs typeface="Arial"/>
-              </a:rPr>
-              <a:t> the </a:t>
-            </a:r>
-            <a:r>
-              <a:rPr lang="pl-PL" sz="2000" dirty="0" err="1">
-                <a:latin typeface="Arial"/>
-                <a:cs typeface="Arial"/>
-              </a:rPr>
-              <a:t>value</a:t>
-            </a:r>
-            <a:r>
-              <a:rPr lang="pl-PL" sz="2000" dirty="0">
-                <a:latin typeface="Arial"/>
-                <a:cs typeface="Arial"/>
-              </a:rPr>
-              <a:t> with the </a:t>
-            </a:r>
-            <a:r>
-              <a:rPr lang="pl-PL" sz="2000" dirty="0" err="1">
-                <a:latin typeface="Arial"/>
-                <a:cs typeface="Arial"/>
-              </a:rPr>
-              <a:t>firth</a:t>
-            </a:r>
-            <a:r>
-              <a:rPr lang="pl-PL" sz="2000" dirty="0">
-                <a:latin typeface="Arial"/>
-                <a:cs typeface="Arial"/>
-              </a:rPr>
-              <a:t> non-</a:t>
-            </a:r>
-            <a:r>
-              <a:rPr lang="pl-PL" sz="2000" dirty="0" err="1">
-                <a:latin typeface="Arial"/>
-                <a:cs typeface="Arial"/>
-              </a:rPr>
-              <a:t>null</a:t>
-            </a:r>
-            <a:r>
-              <a:rPr lang="pl-PL" sz="2000" dirty="0">
-                <a:latin typeface="Arial"/>
-                <a:cs typeface="Arial"/>
-              </a:rPr>
-              <a:t> </a:t>
-            </a:r>
-            <a:r>
-              <a:rPr lang="pl-PL" sz="2000" dirty="0" err="1">
-                <a:latin typeface="Arial"/>
-                <a:cs typeface="Arial"/>
-              </a:rPr>
-              <a:t>value</a:t>
-            </a:r>
-            <a:r>
-              <a:rPr lang="pl-PL" sz="2000" dirty="0">
-                <a:latin typeface="Arial"/>
-                <a:cs typeface="Arial"/>
-              </a:rPr>
-              <a:t> </a:t>
-            </a:r>
-            <a:r>
-              <a:rPr lang="pl-PL" sz="2000" dirty="0" err="1">
-                <a:latin typeface="Arial"/>
-                <a:cs typeface="Arial"/>
-              </a:rPr>
-              <a:t>given</a:t>
+              <a:t>t non-null value given</a:t>
             </a:r>
             <a:endParaRPr lang="en-GB" sz="1800" dirty="0">
               <a:latin typeface="Arial"/>
@@ -30406,147 +30329,30 @@
               <a:buChar char="•"/>
             </a:pPr>
             <a:r>
-              <a:rPr lang="pl-PL" sz="1600" dirty="0" err="1">
-                <a:latin typeface="+mn-lt"/>
-              </a:rPr>
-              <a:t>Practice</a:t>
-            </a:r>
-            <a:r>
               <a:rPr lang="pl-PL" sz="1600" dirty="0">
                 <a:latin typeface="+mn-lt"/>
               </a:rPr>
+              <a:t>Practice your skills by doing the homeworks and submit them to </a:t>
+            </a:r>
+            <a:r>
+              <a:rPr lang="en-SG" sz="1600" dirty="0">
+                <a:latin typeface="+mn-lt"/>
+                <a:hlinkClick r:id="rId3"/>
+              </a:rPr>
+              <a:t>sean.koh@warwick.ac.uk</a:t>
+            </a:r>
+            <a:r>
+              <a:rPr lang="en-SG" sz="1600" dirty="0">
+                <a:latin typeface="+mn-lt"/>
+              </a:rPr>
               <a:t> </a:t>
-            </a:r>
-            <a:r>
-              <a:rPr lang="pl-PL" sz="1600" dirty="0" err="1">
-                <a:latin typeface="+mn-lt"/>
-              </a:rPr>
-              <a:t>your</a:t>
             </a:r>
             <a:r>
               <a:rPr lang="pl-PL" sz="1600" dirty="0">
                 <a:latin typeface="+mn-lt"/>
               </a:rPr>
-              <a:t> </a:t>
-            </a:r>
-            <a:r>
-              <a:rPr lang="pl-PL" sz="1600" dirty="0" err="1">
-                <a:latin typeface="+mn-lt"/>
-              </a:rPr>
-              <a:t>skills</a:t>
-            </a:r>
-            <a:r>
-              <a:rPr lang="pl-PL" sz="1600" dirty="0">
-                <a:latin typeface="+mn-lt"/>
-              </a:rPr>
-              <a:t> by </a:t>
-            </a:r>
-            <a:r>
-              <a:rPr lang="pl-PL" sz="1600" dirty="0" err="1">
-                <a:latin typeface="+mn-lt"/>
-              </a:rPr>
-              <a:t>doing</a:t>
-            </a:r>
-            <a:r>
-              <a:rPr lang="pl-PL" sz="1600" dirty="0">
-                <a:latin typeface="+mn-lt"/>
-              </a:rPr>
-              <a:t> the </a:t>
-            </a:r>
-            <a:r>
-              <a:rPr lang="pl-PL" sz="1600" dirty="0" err="1">
-                <a:latin typeface="+mn-lt"/>
-              </a:rPr>
-              <a:t>homeworks</a:t>
-            </a:r>
-            <a:r>
-              <a:rPr lang="pl-PL" sz="1600" dirty="0">
-                <a:latin typeface="+mn-lt"/>
-              </a:rPr>
-              <a:t> and </a:t>
-            </a:r>
-            <a:r>
-              <a:rPr lang="pl-PL" sz="1600" dirty="0" err="1">
-                <a:latin typeface="+mn-lt"/>
-              </a:rPr>
-              <a:t>submit</a:t>
-            </a:r>
-            <a:r>
-              <a:rPr lang="pl-PL" sz="1600" dirty="0">
-                <a:latin typeface="+mn-lt"/>
-              </a:rPr>
-              <a:t> </a:t>
-            </a:r>
-            <a:r>
-              <a:rPr lang="pl-PL" sz="1600" dirty="0" err="1">
-                <a:latin typeface="+mn-lt"/>
-              </a:rPr>
-              <a:t>them</a:t>
-            </a:r>
-            <a:r>
-              <a:rPr lang="pl-PL" sz="1600" dirty="0">
-                <a:latin typeface="+mn-lt"/>
-              </a:rPr>
-              <a:t> to </a:t>
-            </a:r>
-            <a:r>
-              <a:rPr lang="pl-PL" sz="1600" dirty="0">
-                <a:latin typeface="+mn-lt"/>
-                <a:hlinkClick r:id="rId3"/>
-              </a:rPr>
-              <a:t>education@wdss.io</a:t>
-            </a:r>
-            <a:r>
-              <a:rPr lang="pl-PL" sz="1600" dirty="0">
-                <a:latin typeface="+mn-lt"/>
-              </a:rPr>
-              <a:t> to </a:t>
-            </a:r>
-            <a:r>
-              <a:rPr lang="pl-PL" sz="1600" dirty="0" err="1">
-                <a:latin typeface="+mn-lt"/>
-              </a:rPr>
-              <a:t>get</a:t>
-            </a:r>
-            <a:r>
-              <a:rPr lang="pl-PL" sz="1600" dirty="0">
-                <a:latin typeface="+mn-lt"/>
-              </a:rPr>
-              <a:t> a </a:t>
-            </a:r>
-            <a:r>
-              <a:rPr lang="pl-PL" sz="1600" dirty="0" err="1">
-                <a:latin typeface="+mn-lt"/>
-              </a:rPr>
-              <a:t>course</a:t>
-            </a:r>
-            <a:r>
-              <a:rPr lang="pl-PL" sz="1600" dirty="0">
-                <a:latin typeface="+mn-lt"/>
-              </a:rPr>
-              <a:t> </a:t>
-            </a:r>
-            <a:r>
-              <a:rPr lang="pl-PL" sz="1600" dirty="0" err="1">
-                <a:latin typeface="+mn-lt"/>
-              </a:rPr>
-              <a:t>completion</a:t>
-            </a:r>
-            <a:r>
-              <a:rPr lang="pl-PL" sz="1600" dirty="0">
-                <a:latin typeface="+mn-lt"/>
-              </a:rPr>
-              <a:t> </a:t>
-            </a:r>
-            <a:r>
-              <a:rPr lang="pl-PL" sz="1600" dirty="0" err="1">
-                <a:latin typeface="+mn-lt"/>
-              </a:rPr>
-              <a:t>certificate</a:t>
-            </a:r>
-            <a:endParaRPr lang="pl-PL" sz="1600" dirty="0">
-              <a:latin typeface="+mn-lt"/>
-            </a:endParaRPr>
+              <a:t>to get a course completion certificate</a:t>
+            </a:r>
           </a:p>
           <a:p>
             <a:pPr marL="342900" indent="-342900">
@@ -31034,16 +30840,8 @@
               <a:buChar char="•"/>
             </a:pPr>
             <a:r>
-              <a:rPr lang="pl-PL" sz="1600" dirty="0" err="1"/>
-              <a:t>Pivot</a:t>
-            </a:r>
-            <a:r>
               <a:rPr lang="pl-PL" sz="1600" dirty="0"/>
-              <a:t> </a:t>
-            </a:r>
-            <a:r>
-              <a:rPr lang="pl-PL" sz="1600"/>
-              <a:t>tables</a:t>
+              <a:t>Pivot tables</a:t>
             </a:r>
             <a:endParaRPr lang="pl-PL" sz="1600" dirty="0">
               <a:latin typeface="+mn-lt"/>
@@ -36638,6 +36436,15 @@
 </file>
 
 <file path=customXml/item1.xml><?xml version="1.0" encoding="utf-8"?>
+<p:properties xmlns:p="http://schemas.microsoft.com/office/2006/metadata/properties" xmlns:xsi="http://www.w3.org/2001/XMLSchema-instance" xmlns:pc="http://schemas.microsoft.com/office/infopath/2007/PartnerControls">
+  <documentManagement>
+    <Keyword xmlns="44a56295-c29e-4898-8136-a54736c65b82" xsi:nil="true"/>
+    <Descriptions xmlns="44a56295-c29e-4898-8136-a54736c65b82" xsi:nil="true"/>
+  </documentManagement>
+</p:properties>
+</file>
+
+<file path=customXml/item2.xml><?xml version="1.0" encoding="utf-8"?>
 <?mso-contentType ?>
 <FormTemplates xmlns="http://schemas.microsoft.com/sharepoint/v3/contenttype/forms">
   <Display>DocumentLibraryForm</Display>
@@ -36646,21 +36453,7 @@
 </FormTemplates>
 </file>
 
-<file path=customXml/item2.xml><?xml version="1.0" encoding="utf-8"?>
-<p:properties xmlns:p="http://schemas.microsoft.com/office/2006/metadata/properties" xmlns:xsi="http://www.w3.org/2001/XMLSchema-instance" xmlns:pc="http://schemas.microsoft.com/office/infopath/2007/PartnerControls">
-  <documentManagement>
-    <Keyword xmlns="44a56295-c29e-4898-8136-a54736c65b82" xsi:nil="true"/>
-    <Descriptions xmlns="44a56295-c29e-4898-8136-a54736c65b82" xsi:nil="true"/>
-  </documentManagement>
-</p:properties>
-</file>
-
 <file path=customXml/item3.xml><?xml version="1.0" encoding="utf-8"?>
-<?mso-contentType ?>
-<SharedContentType xmlns="Microsoft.SharePoint.Taxonomy.ContentTypeSync" SourceId="1ee89e71-04cd-405e-9ca3-99e020c1694d" ContentTypeId="0x0101" PreviousValue="false"/>
-</file>
-
-<file path=customXml/item4.xml><?xml version="1.0" encoding="utf-8"?>
 <ct:contentTypeSchema xmlns:ct="http://schemas.microsoft.com/office/2006/metadata/contentType" xmlns:ma="http://schemas.microsoft.com/office/2006/metadata/properties/metaAttributes" ct:_="" ma:_="" ma:contentTypeName="Document" ma:contentTypeID="0x010100C9F3DD611966374C9EAA8DC5A2F94CD8" ma:contentTypeVersion="8" ma:contentTypeDescription="Create a new document." ma:contentTypeScope="" ma:versionID="18a8759320524e51783f13c6663a10d1">
   <xsd:schema xmlns:xsd="http://www.w3.org/2001/XMLSchema" xmlns:xs="http://www.w3.org/2001/XMLSchema" xmlns:p="http://schemas.microsoft.com/office/2006/metadata/properties" xmlns:ns2="44a56295-c29e-4898-8136-a54736c65b82" xmlns:ns3="9675ef8f-b755-4cd6-a742-8cae3d86c4fe" targetNamespace="http://schemas.microsoft.com/office/2006/metadata/properties" ma:root="true" ma:fieldsID="1b693415669a5bc10d56a9234ce5202b" ns2:_="" ns3:_="">
     <xsd:import namespace="44a56295-c29e-4898-8136-a54736c65b82"/>
@@ -36839,15 +36632,12 @@
 </ct:contentTypeSchema>
 </file>
 
-<file path=customXml/itemProps1.xml><?xml version="1.0" encoding="utf-8"?>
-<ds:datastoreItem xmlns:ds="http://schemas.openxmlformats.org/officeDocument/2006/customXml" ds:itemID="{CCB085B9-8EF5-4B2C-B089-029492EC23AC}">
-  <ds:schemaRefs>
-    <ds:schemaRef ds:uri="http://schemas.microsoft.com/sharepoint/v3/contenttype/forms"/>
-  </ds:schemaRefs>
-</ds:datastoreItem>
+<file path=customXml/item4.xml><?xml version="1.0" encoding="utf-8"?>
+<?mso-contentType ?>
+<SharedContentType xmlns="Microsoft.SharePoint.Taxonomy.ContentTypeSync" SourceId="1ee89e71-04cd-405e-9ca3-99e020c1694d" ContentTypeId="0x0101" PreviousValue="false"/>
 </file>
 
-<file path=customXml/itemProps2.xml><?xml version="1.0" encoding="utf-8"?>
+<file path=customXml/itemProps1.xml><?xml version="1.0" encoding="utf-8"?>
 <ds:datastoreItem xmlns:ds="http://schemas.openxmlformats.org/officeDocument/2006/customXml" ds:itemID="{8E7055A9-979E-42E4-8AE4-11D4A57371C1}">
   <ds:schemaRefs>
     <ds:schemaRef ds:uri="9675ef8f-b755-4cd6-a742-8cae3d86c4fe"/>
@@ -36864,15 +36654,15 @@
 </ds:datastoreItem>
 </file>
 
-<file path=customXml/itemProps3.xml><?xml version="1.0" encoding="utf-8"?>
-<ds:datastoreItem xmlns:ds="http://schemas.openxmlformats.org/officeDocument/2006/customXml" ds:itemID="{3D9D9437-4660-4E6E-9349-9C8386915BD1}">
+<file path=customXml/itemProps2.xml><?xml version="1.0" encoding="utf-8"?>
+<ds:datastoreItem xmlns:ds="http://schemas.openxmlformats.org/officeDocument/2006/customXml" ds:itemID="{CCB085B9-8EF5-4B2C-B089-029492EC23AC}">
   <ds:schemaRefs>
-    <ds:schemaRef ds:uri="Microsoft.SharePoint.Taxonomy.ContentTypeSync"/>
+    <ds:schemaRef ds:uri="http://schemas.microsoft.com/sharepoint/v3/contenttype/forms"/>
   </ds:schemaRefs>
 </ds:datastoreItem>
 </file>
 
-<file path=customXml/itemProps4.xml><?xml version="1.0" encoding="utf-8"?>
+<file path=customXml/itemProps3.xml><?xml version="1.0" encoding="utf-8"?>
 <ds:datastoreItem xmlns:ds="http://schemas.openxmlformats.org/officeDocument/2006/customXml" ds:itemID="{24E5F6C7-5787-4F29-BDCC-CDAE99EBBCCB}">
   <ds:schemaRefs>
     <ds:schemaRef ds:uri="http://schemas.microsoft.com/office/2006/metadata/contentType"/>
@@ -36889,4 +36679,12 @@
     <ds:schemaRef ds:uri="http://schemas.microsoft.com/internal/obd"/>
   </ds:schemaRefs>
 </ds:datastoreItem>
+</file>
+
+<file path=customXml/itemProps4.xml><?xml version="1.0" encoding="utf-8"?>
+<ds:datastoreItem xmlns:ds="http://schemas.openxmlformats.org/officeDocument/2006/customXml" ds:itemID="{3D9D9437-4660-4E6E-9349-9C8386915BD1}">
+  <ds:schemaRefs>
+    <ds:schemaRef ds:uri="Microsoft.SharePoint.Taxonomy.ContentTypeSync"/>
+  </ds:schemaRefs>
+</ds:datastoreItem>
 </file>